--- a/4180Final.pptx
+++ b/4180Final.pptx
@@ -109,6 +109,11 @@
       </a:defRPr>
     </a:lvl9pPr>
   </p:defaultTextStyle>
+  <p:extLst>
+    <p:ext uri="{EFAFB233-063F-42B5-8137-9DF3F51BA10A}">
+      <p15:sldGuideLst xmlns:p15="http://schemas.microsoft.com/office/powerpoint/2012/main"/>
+    </p:ext>
+  </p:extLst>
 </p:presentation>
 </file>
 
@@ -122,6 +127,53 @@
 
 <file path=ppt/changesInfos/changesInfo1.xml><?xml version="1.0" encoding="utf-8"?>
 <pc:chgInfo xmlns:a="http://schemas.openxmlformats.org/drawingml/2006/main" xmlns:r="http://schemas.openxmlformats.org/officeDocument/2006/relationships" xmlns:ac="http://schemas.microsoft.com/office/drawing/2013/main/command" xmlns:pc="http://schemas.microsoft.com/office/powerpoint/2013/main/command">
+  <pc:docChgLst>
+    <pc:chgData name="Meyer, Corey J" userId="162dbd8d-fe8d-4a76-a4d9-6725c06a9219" providerId="ADAL" clId="{94FDDB78-04D9-2C46-979D-17A7E8D71A55}"/>
+    <pc:docChg chg="custSel modSld">
+      <pc:chgData name="Meyer, Corey J" userId="162dbd8d-fe8d-4a76-a4d9-6725c06a9219" providerId="ADAL" clId="{94FDDB78-04D9-2C46-979D-17A7E8D71A55}" dt="2023-04-24T03:13:04.810" v="59" actId="27636"/>
+      <pc:docMkLst>
+        <pc:docMk/>
+      </pc:docMkLst>
+      <pc:sldChg chg="modSp mod">
+        <pc:chgData name="Meyer, Corey J" userId="162dbd8d-fe8d-4a76-a4d9-6725c06a9219" providerId="ADAL" clId="{94FDDB78-04D9-2C46-979D-17A7E8D71A55}" dt="2023-04-24T03:12:37.767" v="8" actId="20577"/>
+        <pc:sldMkLst>
+          <pc:docMk/>
+          <pc:sldMk cId="3003065144" sldId="256"/>
+        </pc:sldMkLst>
+        <pc:spChg chg="mod">
+          <ac:chgData name="Meyer, Corey J" userId="162dbd8d-fe8d-4a76-a4d9-6725c06a9219" providerId="ADAL" clId="{94FDDB78-04D9-2C46-979D-17A7E8D71A55}" dt="2023-04-24T03:12:37.767" v="8" actId="20577"/>
+          <ac:spMkLst>
+            <pc:docMk/>
+            <pc:sldMk cId="3003065144" sldId="256"/>
+            <ac:spMk id="2" creationId="{32876ABD-04F9-F610-66B5-701A40562616}"/>
+          </ac:spMkLst>
+        </pc:spChg>
+      </pc:sldChg>
+      <pc:sldChg chg="modSp mod">
+        <pc:chgData name="Meyer, Corey J" userId="162dbd8d-fe8d-4a76-a4d9-6725c06a9219" providerId="ADAL" clId="{94FDDB78-04D9-2C46-979D-17A7E8D71A55}" dt="2023-04-24T03:13:04.810" v="59" actId="27636"/>
+        <pc:sldMkLst>
+          <pc:docMk/>
+          <pc:sldMk cId="2407943736" sldId="257"/>
+        </pc:sldMkLst>
+        <pc:spChg chg="mod">
+          <ac:chgData name="Meyer, Corey J" userId="162dbd8d-fe8d-4a76-a4d9-6725c06a9219" providerId="ADAL" clId="{94FDDB78-04D9-2C46-979D-17A7E8D71A55}" dt="2023-04-24T03:13:02.887" v="57" actId="20577"/>
+          <ac:spMkLst>
+            <pc:docMk/>
+            <pc:sldMk cId="2407943736" sldId="257"/>
+            <ac:spMk id="2" creationId="{5B9831C0-EE8D-0A6F-260B-1B9CC7859AF8}"/>
+          </ac:spMkLst>
+        </pc:spChg>
+        <pc:spChg chg="mod">
+          <ac:chgData name="Meyer, Corey J" userId="162dbd8d-fe8d-4a76-a4d9-6725c06a9219" providerId="ADAL" clId="{94FDDB78-04D9-2C46-979D-17A7E8D71A55}" dt="2023-04-24T03:13:04.810" v="59" actId="27636"/>
+          <ac:spMkLst>
+            <pc:docMk/>
+            <pc:sldMk cId="2407943736" sldId="257"/>
+            <ac:spMk id="3" creationId="{A704C51C-272A-27F0-863D-18FCD466C092}"/>
+          </ac:spMkLst>
+        </pc:spChg>
+      </pc:sldChg>
+    </pc:docChg>
+  </pc:docChgLst>
   <pc:docChgLst>
     <pc:chgData name="Anthony Popa" userId="1a8bee43900c66d0" providerId="LiveId" clId="{F8592448-4D06-4710-A416-65744B051019}"/>
     <pc:docChg chg="undo custSel addSld modSld addMainMaster delMainMaster">
@@ -691,7 +743,7 @@
           <a:p>
             <a:fld id="{F4D57BDD-E64A-4D27-8978-82FFCA18A12C}" type="datetimeFigureOut">
               <a:rPr lang="en-US" smtClean="0"/>
-              <a:t>4/23/2023</a:t>
+              <a:t>4/23/23</a:t>
             </a:fld>
             <a:endParaRPr lang="en-US"/>
           </a:p>
@@ -900,7 +952,7 @@
           <a:p>
             <a:fld id="{F4D57BDD-E64A-4D27-8978-82FFCA18A12C}" type="datetimeFigureOut">
               <a:rPr lang="en-US" smtClean="0"/>
-              <a:t>4/23/2023</a:t>
+              <a:t>4/23/23</a:t>
             </a:fld>
             <a:endParaRPr lang="en-US"/>
           </a:p>
@@ -1108,7 +1160,7 @@
           <a:p>
             <a:fld id="{F4D57BDD-E64A-4D27-8978-82FFCA18A12C}" type="datetimeFigureOut">
               <a:rPr lang="en-US" smtClean="0"/>
-              <a:t>4/23/2023</a:t>
+              <a:t>4/23/23</a:t>
             </a:fld>
             <a:endParaRPr lang="en-US"/>
           </a:p>
@@ -1306,7 +1358,7 @@
           <a:p>
             <a:fld id="{F4D57BDD-E64A-4D27-8978-82FFCA18A12C}" type="datetimeFigureOut">
               <a:rPr lang="en-US" smtClean="0"/>
-              <a:t>4/23/2023</a:t>
+              <a:t>4/23/23</a:t>
             </a:fld>
             <a:endParaRPr lang="en-US"/>
           </a:p>
@@ -1582,7 +1634,7 @@
           <a:p>
             <a:fld id="{F4D57BDD-E64A-4D27-8978-82FFCA18A12C}" type="datetimeFigureOut">
               <a:rPr lang="en-US" smtClean="0"/>
-              <a:t>4/23/2023</a:t>
+              <a:t>4/23/23</a:t>
             </a:fld>
             <a:endParaRPr lang="en-US"/>
           </a:p>
@@ -1854,7 +1906,7 @@
           <a:p>
             <a:fld id="{F4D57BDD-E64A-4D27-8978-82FFCA18A12C}" type="datetimeFigureOut">
               <a:rPr lang="en-US" smtClean="0"/>
-              <a:t>4/23/2023</a:t>
+              <a:t>4/23/23</a:t>
             </a:fld>
             <a:endParaRPr lang="en-US"/>
           </a:p>
@@ -2268,7 +2320,7 @@
           <a:p>
             <a:fld id="{F4D57BDD-E64A-4D27-8978-82FFCA18A12C}" type="datetimeFigureOut">
               <a:rPr lang="en-US" smtClean="0"/>
-              <a:t>4/23/2023</a:t>
+              <a:t>4/23/23</a:t>
             </a:fld>
             <a:endParaRPr lang="en-US"/>
           </a:p>
@@ -2415,7 +2467,7 @@
           <a:p>
             <a:fld id="{F4D57BDD-E64A-4D27-8978-82FFCA18A12C}" type="datetimeFigureOut">
               <a:rPr lang="en-US" smtClean="0"/>
-              <a:t>4/23/2023</a:t>
+              <a:t>4/23/23</a:t>
             </a:fld>
             <a:endParaRPr lang="en-US"/>
           </a:p>
@@ -2528,7 +2580,7 @@
           <a:p>
             <a:fld id="{F4D57BDD-E64A-4D27-8978-82FFCA18A12C}" type="datetimeFigureOut">
               <a:rPr lang="en-US" smtClean="0"/>
-              <a:t>4/23/2023</a:t>
+              <a:t>4/23/23</a:t>
             </a:fld>
             <a:endParaRPr lang="en-US"/>
           </a:p>
@@ -2840,7 +2892,7 @@
           <a:p>
             <a:fld id="{F4D57BDD-E64A-4D27-8978-82FFCA18A12C}" type="datetimeFigureOut">
               <a:rPr lang="en-US" smtClean="0"/>
-              <a:t>4/23/2023</a:t>
+              <a:t>4/23/23</a:t>
             </a:fld>
             <a:endParaRPr lang="en-US"/>
           </a:p>
@@ -3131,7 +3183,7 @@
           <a:p>
             <a:fld id="{F4D57BDD-E64A-4D27-8978-82FFCA18A12C}" type="datetimeFigureOut">
               <a:rPr lang="en-US" smtClean="0"/>
-              <a:t>4/23/2023</a:t>
+              <a:t>4/23/23</a:t>
             </a:fld>
             <a:endParaRPr lang="en-US"/>
           </a:p>
@@ -3373,7 +3425,7 @@
             <a:fld id="{F4D57BDD-E64A-4D27-8978-82FFCA18A12C}" type="datetimeFigureOut">
               <a:rPr lang="en-US" smtClean="0"/>
               <a:pPr/>
-              <a:t>4/23/2023</a:t>
+              <a:t>4/23/23</a:t>
             </a:fld>
             <a:endParaRPr lang="en-US" dirty="0"/>
           </a:p>
@@ -11926,14 +11978,14 @@
         </p:spPr>
         <p:txBody>
           <a:bodyPr>
-            <a:normAutofit fontScale="90000"/>
+            <a:normAutofit/>
           </a:bodyPr>
           <a:lstStyle/>
           <a:p>
             <a:pPr algn="l"/>
             <a:r>
               <a:rPr lang="en-US" sz="8000" dirty="0"/>
-              <a:t>Twisted-Tea Robot</a:t>
+              <a:t>RC Car</a:t>
             </a:r>
           </a:p>
         </p:txBody>
@@ -12037,7 +12089,7 @@
           <a:p>
             <a:r>
               <a:rPr lang="en-US" dirty="0"/>
-              <a:t>An RC Car with a Twisty Twist</a:t>
+              <a:t>Design Implementation</a:t>
             </a:r>
           </a:p>
         </p:txBody>
@@ -12066,7 +12118,7 @@
         </p:spPr>
         <p:txBody>
           <a:bodyPr>
-            <a:normAutofit lnSpcReduction="10000"/>
+            <a:normAutofit/>
           </a:bodyPr>
           <a:lstStyle/>
           <a:p>
@@ -12094,24 +12146,13 @@
             <a:pPr lvl="1"/>
             <a:r>
               <a:rPr lang="en-US" sz="1600" dirty="0"/>
-              <a:t>Car will automatically stop when headed towards </a:t>
+              <a:t>Car will automatically stop when headed towards an obstacle</a:t>
             </a:r>
-            <a:r>
-              <a:rPr lang="en-US" sz="1600"/>
-              <a:t>an obstacle</a:t>
-            </a:r>
-            <a:endParaRPr lang="en-US" sz="1600" dirty="0"/>
           </a:p>
           <a:p>
             <a:r>
               <a:rPr lang="en-US" sz="2000" dirty="0"/>
               <a:t>LED with adjustable brightness and collision-warning lights</a:t>
-            </a:r>
-          </a:p>
-          <a:p>
-            <a:r>
-              <a:rPr lang="en-US" sz="2000" dirty="0"/>
-              <a:t>Built on a Twisted Tea box</a:t>
             </a:r>
           </a:p>
           <a:p>

--- a/4180Final.pptx
+++ b/4180Final.pptx
@@ -743,7 +743,7 @@
           <a:p>
             <a:fld id="{F4D57BDD-E64A-4D27-8978-82FFCA18A12C}" type="datetimeFigureOut">
               <a:rPr lang="en-US" smtClean="0"/>
-              <a:t>4/23/23</a:t>
+              <a:t>4/25/23</a:t>
             </a:fld>
             <a:endParaRPr lang="en-US"/>
           </a:p>
@@ -952,7 +952,7 @@
           <a:p>
             <a:fld id="{F4D57BDD-E64A-4D27-8978-82FFCA18A12C}" type="datetimeFigureOut">
               <a:rPr lang="en-US" smtClean="0"/>
-              <a:t>4/23/23</a:t>
+              <a:t>4/25/23</a:t>
             </a:fld>
             <a:endParaRPr lang="en-US"/>
           </a:p>
@@ -1160,7 +1160,7 @@
           <a:p>
             <a:fld id="{F4D57BDD-E64A-4D27-8978-82FFCA18A12C}" type="datetimeFigureOut">
               <a:rPr lang="en-US" smtClean="0"/>
-              <a:t>4/23/23</a:t>
+              <a:t>4/25/23</a:t>
             </a:fld>
             <a:endParaRPr lang="en-US"/>
           </a:p>
@@ -1358,7 +1358,7 @@
           <a:p>
             <a:fld id="{F4D57BDD-E64A-4D27-8978-82FFCA18A12C}" type="datetimeFigureOut">
               <a:rPr lang="en-US" smtClean="0"/>
-              <a:t>4/23/23</a:t>
+              <a:t>4/25/23</a:t>
             </a:fld>
             <a:endParaRPr lang="en-US"/>
           </a:p>
@@ -1634,7 +1634,7 @@
           <a:p>
             <a:fld id="{F4D57BDD-E64A-4D27-8978-82FFCA18A12C}" type="datetimeFigureOut">
               <a:rPr lang="en-US" smtClean="0"/>
-              <a:t>4/23/23</a:t>
+              <a:t>4/25/23</a:t>
             </a:fld>
             <a:endParaRPr lang="en-US"/>
           </a:p>
@@ -1906,7 +1906,7 @@
           <a:p>
             <a:fld id="{F4D57BDD-E64A-4D27-8978-82FFCA18A12C}" type="datetimeFigureOut">
               <a:rPr lang="en-US" smtClean="0"/>
-              <a:t>4/23/23</a:t>
+              <a:t>4/25/23</a:t>
             </a:fld>
             <a:endParaRPr lang="en-US"/>
           </a:p>
@@ -2320,7 +2320,7 @@
           <a:p>
             <a:fld id="{F4D57BDD-E64A-4D27-8978-82FFCA18A12C}" type="datetimeFigureOut">
               <a:rPr lang="en-US" smtClean="0"/>
-              <a:t>4/23/23</a:t>
+              <a:t>4/25/23</a:t>
             </a:fld>
             <a:endParaRPr lang="en-US"/>
           </a:p>
@@ -2467,7 +2467,7 @@
           <a:p>
             <a:fld id="{F4D57BDD-E64A-4D27-8978-82FFCA18A12C}" type="datetimeFigureOut">
               <a:rPr lang="en-US" smtClean="0"/>
-              <a:t>4/23/23</a:t>
+              <a:t>4/25/23</a:t>
             </a:fld>
             <a:endParaRPr lang="en-US"/>
           </a:p>
@@ -2580,7 +2580,7 @@
           <a:p>
             <a:fld id="{F4D57BDD-E64A-4D27-8978-82FFCA18A12C}" type="datetimeFigureOut">
               <a:rPr lang="en-US" smtClean="0"/>
-              <a:t>4/23/23</a:t>
+              <a:t>4/25/23</a:t>
             </a:fld>
             <a:endParaRPr lang="en-US"/>
           </a:p>
@@ -2892,7 +2892,7 @@
           <a:p>
             <a:fld id="{F4D57BDD-E64A-4D27-8978-82FFCA18A12C}" type="datetimeFigureOut">
               <a:rPr lang="en-US" smtClean="0"/>
-              <a:t>4/23/23</a:t>
+              <a:t>4/25/23</a:t>
             </a:fld>
             <a:endParaRPr lang="en-US"/>
           </a:p>
@@ -3183,7 +3183,7 @@
           <a:p>
             <a:fld id="{F4D57BDD-E64A-4D27-8978-82FFCA18A12C}" type="datetimeFigureOut">
               <a:rPr lang="en-US" smtClean="0"/>
-              <a:t>4/23/23</a:t>
+              <a:t>4/25/23</a:t>
             </a:fld>
             <a:endParaRPr lang="en-US"/>
           </a:p>
@@ -3425,7 +3425,7 @@
             <a:fld id="{F4D57BDD-E64A-4D27-8978-82FFCA18A12C}" type="datetimeFigureOut">
               <a:rPr lang="en-US" smtClean="0"/>
               <a:pPr/>
-              <a:t>4/23/23</a:t>
+              <a:t>4/25/23</a:t>
             </a:fld>
             <a:endParaRPr lang="en-US" dirty="0"/>
           </a:p>
@@ -11984,8 +11984,16 @@
           <a:p>
             <a:pPr algn="l"/>
             <a:r>
+              <a:rPr lang="en-US" sz="8000" dirty="0" err="1"/>
+              <a:t>Twea</a:t>
+            </a:r>
+            <a:r>
+              <a:rPr lang="en-US" sz="8000"/>
+              <a:t> RC </a:t>
+            </a:r>
+            <a:r>
               <a:rPr lang="en-US" sz="8000" dirty="0"/>
-              <a:t>RC Car</a:t>
+              <a:t>Car</a:t>
             </a:r>
           </a:p>
         </p:txBody>
